--- a/Textbooks/Raymond Ashoori.pptx
+++ b/Textbooks/Raymond Ashoori.pptx
@@ -511,6 +511,10 @@
             <a:br/>
             <a:r>
               <a:t># Textbook</a:t>
+            </a:r>
+            <a:br/>
+            <a:r>
+              <a:t>Knight, Physics for Scientists and Engineers: A Strategic Approach with Modern Physics, 3rd Edition, Chapter 38</a:t>
             </a:r>
             <a:br/>
             <a:br/>
